--- a/Intro2ResSim/CodingWithFunctions.pptx
+++ b/Intro2ResSim/CodingWithFunctions.pptx
@@ -257,6 +257,30 @@
       </pc:sldChg>
     </pc:docChg>
   </pc:docChgLst>
+  <pc:docChgLst>
+    <pc:chgData name="hirose taichi" userId="ed2dc4b0-8795-4813-ada8-f41a239e7d7d" providerId="ADAL" clId="{117BA837-A942-4D11-9607-317B6A3003F4}"/>
+    <pc:docChg chg="modSld">
+      <pc:chgData name="hirose taichi" userId="ed2dc4b0-8795-4813-ada8-f41a239e7d7d" providerId="ADAL" clId="{117BA837-A942-4D11-9607-317B6A3003F4}" dt="2022-11-02T15:25:11.777" v="15" actId="20577"/>
+      <pc:docMkLst>
+        <pc:docMk/>
+      </pc:docMkLst>
+      <pc:sldChg chg="modSp mod">
+        <pc:chgData name="hirose taichi" userId="ed2dc4b0-8795-4813-ada8-f41a239e7d7d" providerId="ADAL" clId="{117BA837-A942-4D11-9607-317B6A3003F4}" dt="2022-11-02T15:25:11.777" v="15" actId="20577"/>
+        <pc:sldMkLst>
+          <pc:docMk/>
+          <pc:sldMk cId="385752651" sldId="408"/>
+        </pc:sldMkLst>
+        <pc:spChg chg="mod">
+          <ac:chgData name="hirose taichi" userId="ed2dc4b0-8795-4813-ada8-f41a239e7d7d" providerId="ADAL" clId="{117BA837-A942-4D11-9607-317B6A3003F4}" dt="2022-11-02T15:25:11.777" v="15" actId="20577"/>
+          <ac:spMkLst>
+            <pc:docMk/>
+            <pc:sldMk cId="385752651" sldId="408"/>
+            <ac:spMk id="8" creationId="{ACCD9BDE-60DA-477F-99B1-1DBC7DBEFA5D}"/>
+          </ac:spMkLst>
+        </pc:spChg>
+      </pc:sldChg>
+    </pc:docChg>
+  </pc:docChgLst>
 </pc:chgInfo>
 </file>
 
@@ -342,7 +366,7 @@
           <a:p>
             <a:fld id="{5186C602-ADD5-904C-8024-0435CAED47E2}" type="datetimeFigureOut">
               <a:rPr kumimoji="1" lang="ja-JP" altLang="en-US" smtClean="0"/>
-              <a:t>2022/11/2</a:t>
+              <a:t>2022/11/3</a:t>
             </a:fld>
             <a:endParaRPr kumimoji="1" lang="ja-JP" altLang="en-US"/>
           </a:p>
@@ -3128,7 +3152,7 @@
             <a:p>
               <a:pPr algn="ctr"/>
               <a:r>
-                <a:rPr kumimoji="1" lang="ja-JP" altLang="en-US" sz="2800" dirty="0">
+                <a:rPr kumimoji="1" lang="en-US" altLang="ja-JP" sz="2800">
                   <a:solidFill>
                     <a:schemeClr val="tx1">
                       <a:lumMod val="75000"/>
@@ -3136,10 +3160,10 @@
                     </a:schemeClr>
                   </a:solidFill>
                 </a:rPr>
-                <a:t>水</a:t>
+                <a:t>Python </a:t>
               </a:r>
               <a:r>
-                <a:rPr kumimoji="1" lang="en-US" altLang="ja-JP" sz="2800" dirty="0">
+                <a:rPr kumimoji="1" lang="ja-JP" altLang="en-US" sz="2800">
                   <a:solidFill>
                     <a:schemeClr val="tx1">
                       <a:lumMod val="75000"/>
@@ -3147,41 +3171,16 @@
                     </a:schemeClr>
                   </a:solidFill>
                 </a:rPr>
-                <a:t>-</a:t>
+                <a:t>関数</a:t>
               </a:r>
-              <a:r>
-                <a:rPr kumimoji="1" lang="ja-JP" altLang="en-US" sz="2800" dirty="0">
-                  <a:solidFill>
-                    <a:schemeClr val="tx1">
-                      <a:lumMod val="75000"/>
-                      <a:lumOff val="25000"/>
-                    </a:schemeClr>
-                  </a:solidFill>
-                </a:rPr>
-                <a:t>油 </a:t>
-              </a:r>
-              <a:r>
-                <a:rPr kumimoji="1" lang="en-US" altLang="ja-JP" sz="2800" dirty="0">
-                  <a:solidFill>
-                    <a:schemeClr val="tx1">
-                      <a:lumMod val="75000"/>
-                      <a:lumOff val="25000"/>
-                    </a:schemeClr>
-                  </a:solidFill>
-                </a:rPr>
-                <a:t>2</a:t>
-              </a:r>
-              <a:r>
-                <a:rPr kumimoji="1" lang="ja-JP" altLang="en-US" sz="2800" dirty="0">
-                  <a:solidFill>
-                    <a:schemeClr val="tx1">
-                      <a:lumMod val="75000"/>
-                      <a:lumOff val="25000"/>
-                    </a:schemeClr>
-                  </a:solidFill>
-                </a:rPr>
-                <a:t>相流</a:t>
-              </a:r>
+              <a:endParaRPr kumimoji="1" lang="ja-JP" altLang="en-US" sz="2800" dirty="0">
+                <a:solidFill>
+                  <a:schemeClr val="tx1">
+                    <a:lumMod val="75000"/>
+                    <a:lumOff val="25000"/>
+                  </a:schemeClr>
+                </a:solidFill>
+              </a:endParaRPr>
             </a:p>
           </p:txBody>
         </p:sp>

--- a/Intro2ResSim/CodingWithFunctions.pptx
+++ b/Intro2ResSim/CodingWithFunctions.pptx
@@ -5,11 +5,12 @@
     <p:sldMasterId id="2147483670" r:id="rId1"/>
   </p:sldMasterIdLst>
   <p:notesMasterIdLst>
-    <p:notesMasterId r:id="rId4"/>
+    <p:notesMasterId r:id="rId5"/>
   </p:notesMasterIdLst>
   <p:sldIdLst>
     <p:sldId id="391" r:id="rId2"/>
     <p:sldId id="408" r:id="rId3"/>
+    <p:sldId id="409" r:id="rId4"/>
   </p:sldIdLst>
   <p:sldSz cx="12192000" cy="6858000"/>
   <p:notesSz cx="9144000" cy="6858000"/>
@@ -115,6 +116,7 @@
           <p14:sldIdLst>
             <p14:sldId id="391"/>
             <p14:sldId id="408"/>
+            <p14:sldId id="409"/>
           </p14:sldIdLst>
         </p14:section>
       </p14:sectionLst>
@@ -259,8 +261,8 @@
   </pc:docChgLst>
   <pc:docChgLst>
     <pc:chgData name="hirose taichi" userId="ed2dc4b0-8795-4813-ada8-f41a239e7d7d" providerId="ADAL" clId="{117BA837-A942-4D11-9607-317B6A3003F4}"/>
-    <pc:docChg chg="modSld">
-      <pc:chgData name="hirose taichi" userId="ed2dc4b0-8795-4813-ada8-f41a239e7d7d" providerId="ADAL" clId="{117BA837-A942-4D11-9607-317B6A3003F4}" dt="2022-11-02T15:25:11.777" v="15" actId="20577"/>
+    <pc:docChg chg="addSld modSld modSection">
+      <pc:chgData name="hirose taichi" userId="ed2dc4b0-8795-4813-ada8-f41a239e7d7d" providerId="ADAL" clId="{117BA837-A942-4D11-9607-317B6A3003F4}" dt="2022-11-02T15:43:33.020" v="55" actId="20577"/>
       <pc:docMkLst>
         <pc:docMk/>
       </pc:docMkLst>
@@ -276,6 +278,29 @@
             <pc:docMk/>
             <pc:sldMk cId="385752651" sldId="408"/>
             <ac:spMk id="8" creationId="{ACCD9BDE-60DA-477F-99B1-1DBC7DBEFA5D}"/>
+          </ac:spMkLst>
+        </pc:spChg>
+      </pc:sldChg>
+      <pc:sldChg chg="modSp new mod">
+        <pc:chgData name="hirose taichi" userId="ed2dc4b0-8795-4813-ada8-f41a239e7d7d" providerId="ADAL" clId="{117BA837-A942-4D11-9607-317B6A3003F4}" dt="2022-11-02T15:43:33.020" v="55" actId="20577"/>
+        <pc:sldMkLst>
+          <pc:docMk/>
+          <pc:sldMk cId="2193362035" sldId="409"/>
+        </pc:sldMkLst>
+        <pc:spChg chg="mod">
+          <ac:chgData name="hirose taichi" userId="ed2dc4b0-8795-4813-ada8-f41a239e7d7d" providerId="ADAL" clId="{117BA837-A942-4D11-9607-317B6A3003F4}" dt="2022-11-02T15:43:33.020" v="55" actId="20577"/>
+          <ac:spMkLst>
+            <pc:docMk/>
+            <pc:sldMk cId="2193362035" sldId="409"/>
+            <ac:spMk id="3" creationId="{54D9BC15-0A52-40BF-9E4E-0D677B86CAC5}"/>
+          </ac:spMkLst>
+        </pc:spChg>
+        <pc:spChg chg="mod">
+          <ac:chgData name="hirose taichi" userId="ed2dc4b0-8795-4813-ada8-f41a239e7d7d" providerId="ADAL" clId="{117BA837-A942-4D11-9607-317B6A3003F4}" dt="2022-11-02T15:41:52.903" v="41" actId="20577"/>
+          <ac:spMkLst>
+            <pc:docMk/>
+            <pc:sldMk cId="2193362035" sldId="409"/>
+            <ac:spMk id="4" creationId="{7841BE61-2EA3-4823-82B7-0EA9146CBC3E}"/>
           </ac:spMkLst>
         </pc:spChg>
       </pc:sldChg>
@@ -3793,6 +3818,121 @@
     <p:extLst>
       <p:ext uri="{BB962C8B-B14F-4D97-AF65-F5344CB8AC3E}">
         <p14:creationId xmlns:p14="http://schemas.microsoft.com/office/powerpoint/2010/main" val="385752651"/>
+      </p:ext>
+    </p:extLst>
+  </p:cSld>
+  <p:clrMapOvr>
+    <a:masterClrMapping/>
+  </p:clrMapOvr>
+</p:sld>
+</file>
+
+<file path=ppt/slides/slide3.xml><?xml version="1.0" encoding="utf-8"?>
+<p:sld xmlns:a="http://schemas.openxmlformats.org/drawingml/2006/main" xmlns:r="http://schemas.openxmlformats.org/officeDocument/2006/relationships" xmlns:p="http://schemas.openxmlformats.org/presentationml/2006/main">
+  <p:cSld>
+    <p:spTree>
+      <p:nvGrpSpPr>
+        <p:cNvPr id="1" name=""/>
+        <p:cNvGrpSpPr/>
+        <p:nvPr/>
+      </p:nvGrpSpPr>
+      <p:grpSpPr>
+        <a:xfrm>
+          <a:off x="0" y="0"/>
+          <a:ext cx="0" cy="0"/>
+          <a:chOff x="0" y="0"/>
+          <a:chExt cx="0" cy="0"/>
+        </a:xfrm>
+      </p:grpSpPr>
+      <p:sp>
+        <p:nvSpPr>
+          <p:cNvPr id="2" name="コンテンツ プレースホルダー 1">
+            <a:extLst>
+              <a:ext uri="{FF2B5EF4-FFF2-40B4-BE49-F238E27FC236}">
+                <a16:creationId xmlns:a16="http://schemas.microsoft.com/office/drawing/2014/main" id="{2F2493CD-AE33-4971-8774-0883E1970037}"/>
+              </a:ext>
+            </a:extLst>
+          </p:cNvPr>
+          <p:cNvSpPr>
+            <a:spLocks noGrp="1"/>
+          </p:cNvSpPr>
+          <p:nvPr>
+            <p:ph idx="1"/>
+          </p:nvPr>
+        </p:nvSpPr>
+        <p:spPr/>
+        <p:txBody>
+          <a:bodyPr/>
+          <a:lstStyle/>
+          <a:p>
+            <a:endParaRPr kumimoji="1" lang="ja-JP" altLang="en-US"/>
+          </a:p>
+        </p:txBody>
+      </p:sp>
+      <p:sp>
+        <p:nvSpPr>
+          <p:cNvPr id="3" name="タイトル 2">
+            <a:extLst>
+              <a:ext uri="{FF2B5EF4-FFF2-40B4-BE49-F238E27FC236}">
+                <a16:creationId xmlns:a16="http://schemas.microsoft.com/office/drawing/2014/main" id="{54D9BC15-0A52-40BF-9E4E-0D677B86CAC5}"/>
+              </a:ext>
+            </a:extLst>
+          </p:cNvPr>
+          <p:cNvSpPr>
+            <a:spLocks noGrp="1"/>
+          </p:cNvSpPr>
+          <p:nvPr>
+            <p:ph type="title"/>
+          </p:nvPr>
+        </p:nvSpPr>
+        <p:spPr/>
+        <p:txBody>
+          <a:bodyPr/>
+          <a:lstStyle/>
+          <a:p>
+            <a:r>
+              <a:rPr kumimoji="1" lang="ja-JP" altLang="en-US" dirty="0"/>
+              <a:t>関数とは</a:t>
+            </a:r>
+          </a:p>
+        </p:txBody>
+      </p:sp>
+      <p:sp>
+        <p:nvSpPr>
+          <p:cNvPr id="4" name="コンテンツ プレースホルダー 3">
+            <a:extLst>
+              <a:ext uri="{FF2B5EF4-FFF2-40B4-BE49-F238E27FC236}">
+                <a16:creationId xmlns:a16="http://schemas.microsoft.com/office/drawing/2014/main" id="{7841BE61-2EA3-4823-82B7-0EA9146CBC3E}"/>
+              </a:ext>
+            </a:extLst>
+          </p:cNvPr>
+          <p:cNvSpPr>
+            <a:spLocks noGrp="1"/>
+          </p:cNvSpPr>
+          <p:nvPr>
+            <p:ph sz="quarter" idx="10"/>
+          </p:nvPr>
+        </p:nvSpPr>
+        <p:spPr/>
+        <p:txBody>
+          <a:bodyPr/>
+          <a:lstStyle/>
+          <a:p>
+            <a:r>
+              <a:rPr kumimoji="1" lang="en-US" altLang="ja-JP" dirty="0"/>
+              <a:t>1. Python</a:t>
+            </a:r>
+            <a:r>
+              <a:rPr kumimoji="1" lang="ja-JP" altLang="en-US" dirty="0"/>
+              <a:t>関数</a:t>
+            </a:r>
+          </a:p>
+        </p:txBody>
+      </p:sp>
+    </p:spTree>
+    <p:extLst>
+      <p:ext uri="{BB962C8B-B14F-4D97-AF65-F5344CB8AC3E}">
+        <p14:creationId xmlns:p14="http://schemas.microsoft.com/office/powerpoint/2010/main" val="2193362035"/>
       </p:ext>
     </p:extLst>
   </p:cSld>

--- a/Intro2ResSim/CodingWithFunctions.pptx
+++ b/Intro2ResSim/CodingWithFunctions.pptx
@@ -151,7 +151,7 @@
 <file path=ppt/revisionInfo.xml><?xml version="1.0" encoding="utf-8"?>
 <p1510:revInfo xmlns:a="http://schemas.openxmlformats.org/drawingml/2006/main" xmlns:r="http://schemas.openxmlformats.org/officeDocument/2006/relationships" xmlns:p1510="http://schemas.microsoft.com/office/powerpoint/2015/10/main">
   <p1510:revLst>
-    <p1510:client id="{117BA837-A942-4D11-9607-317B6A3003F4}" v="51" dt="2022-11-02T18:54:37.560"/>
+    <p1510:client id="{117BA837-A942-4D11-9607-317B6A3003F4}" v="52" dt="2022-11-03T06:19:26.892"/>
   </p1510:revLst>
 </p1510:revInfo>
 </file>
@@ -290,7 +290,7 @@
   <pc:docChgLst>
     <pc:chgData name="hirose taichi" userId="ed2dc4b0-8795-4813-ada8-f41a239e7d7d" providerId="ADAL" clId="{117BA837-A942-4D11-9607-317B6A3003F4}"/>
     <pc:docChg chg="undo redo custSel addSld delSld modSld sldOrd modSection">
-      <pc:chgData name="hirose taichi" userId="ed2dc4b0-8795-4813-ada8-f41a239e7d7d" providerId="ADAL" clId="{117BA837-A942-4D11-9607-317B6A3003F4}" dt="2022-11-02T18:54:45.656" v="2098" actId="1076"/>
+      <pc:chgData name="hirose taichi" userId="ed2dc4b0-8795-4813-ada8-f41a239e7d7d" providerId="ADAL" clId="{117BA837-A942-4D11-9607-317B6A3003F4}" dt="2022-11-03T06:30:21.099" v="2334" actId="20577"/>
       <pc:docMkLst>
         <pc:docMk/>
       </pc:docMkLst>
@@ -642,7 +642,7 @@
         </pc:spChg>
       </pc:sldChg>
       <pc:sldChg chg="addSp delSp modSp new mod">
-        <pc:chgData name="hirose taichi" userId="ed2dc4b0-8795-4813-ada8-f41a239e7d7d" providerId="ADAL" clId="{117BA837-A942-4D11-9607-317B6A3003F4}" dt="2022-11-02T18:01:21.894" v="1405" actId="20577"/>
+        <pc:chgData name="hirose taichi" userId="ed2dc4b0-8795-4813-ada8-f41a239e7d7d" providerId="ADAL" clId="{117BA837-A942-4D11-9607-317B6A3003F4}" dt="2022-11-03T06:30:21.099" v="2334" actId="20577"/>
         <pc:sldMkLst>
           <pc:docMk/>
           <pc:sldMk cId="1530489877" sldId="413"/>
@@ -672,7 +672,7 @@
           </ac:spMkLst>
         </pc:spChg>
         <pc:spChg chg="add mod">
-          <ac:chgData name="hirose taichi" userId="ed2dc4b0-8795-4813-ada8-f41a239e7d7d" providerId="ADAL" clId="{117BA837-A942-4D11-9607-317B6A3003F4}" dt="2022-11-02T17:45:16.534" v="1272" actId="1076"/>
+          <ac:chgData name="hirose taichi" userId="ed2dc4b0-8795-4813-ada8-f41a239e7d7d" providerId="ADAL" clId="{117BA837-A942-4D11-9607-317B6A3003F4}" dt="2022-11-03T06:19:51.124" v="2130" actId="14100"/>
           <ac:spMkLst>
             <pc:docMk/>
             <pc:sldMk cId="1530489877" sldId="413"/>
@@ -688,7 +688,7 @@
           </ac:spMkLst>
         </pc:spChg>
         <pc:spChg chg="add mod">
-          <ac:chgData name="hirose taichi" userId="ed2dc4b0-8795-4813-ada8-f41a239e7d7d" providerId="ADAL" clId="{117BA837-A942-4D11-9607-317B6A3003F4}" dt="2022-11-02T17:53:23.662" v="1345" actId="1076"/>
+          <ac:chgData name="hirose taichi" userId="ed2dc4b0-8795-4813-ada8-f41a239e7d7d" providerId="ADAL" clId="{117BA837-A942-4D11-9607-317B6A3003F4}" dt="2022-11-03T06:30:21.099" v="2334" actId="20577"/>
           <ac:spMkLst>
             <pc:docMk/>
             <pc:sldMk cId="1530489877" sldId="413"/>
@@ -751,6 +751,14 @@
             <ac:spMk id="14" creationId="{9FE48D6F-9981-4276-B14D-4C28209A7C94}"/>
           </ac:spMkLst>
         </pc:spChg>
+        <pc:spChg chg="add mod">
+          <ac:chgData name="hirose taichi" userId="ed2dc4b0-8795-4813-ada8-f41a239e7d7d" providerId="ADAL" clId="{117BA837-A942-4D11-9607-317B6A3003F4}" dt="2022-11-03T06:30:09.981" v="2333" actId="1038"/>
+          <ac:spMkLst>
+            <pc:docMk/>
+            <pc:sldMk cId="1530489877" sldId="413"/>
+            <ac:spMk id="15" creationId="{FC545633-537E-41B7-8286-1F4709EE6B5F}"/>
+          </ac:spMkLst>
+        </pc:spChg>
       </pc:sldChg>
       <pc:sldChg chg="addSp modSp add mod">
         <pc:chgData name="hirose taichi" userId="ed2dc4b0-8795-4813-ada8-f41a239e7d7d" providerId="ADAL" clId="{117BA837-A942-4D11-9607-317B6A3003F4}" dt="2022-11-02T17:56:48.912" v="1397" actId="14100"/>
@@ -790,8 +798,8 @@
           </ac:spMkLst>
         </pc:spChg>
       </pc:sldChg>
-      <pc:sldChg chg="modSp add mod ord">
-        <pc:chgData name="hirose taichi" userId="ed2dc4b0-8795-4813-ada8-f41a239e7d7d" providerId="ADAL" clId="{117BA837-A942-4D11-9607-317B6A3003F4}" dt="2022-11-02T18:08:24.969" v="1413" actId="14100"/>
+      <pc:sldChg chg="modSp add mod ord modNotesTx">
+        <pc:chgData name="hirose taichi" userId="ed2dc4b0-8795-4813-ada8-f41a239e7d7d" providerId="ADAL" clId="{117BA837-A942-4D11-9607-317B6A3003F4}" dt="2022-11-03T06:28:57.959" v="2330" actId="20577"/>
         <pc:sldMkLst>
           <pc:docMk/>
           <pc:sldMk cId="306887762" sldId="416"/>
@@ -814,7 +822,7 @@
         </pc:spChg>
       </pc:sldChg>
       <pc:sldChg chg="addSp delSp modSp add mod">
-        <pc:chgData name="hirose taichi" userId="ed2dc4b0-8795-4813-ada8-f41a239e7d7d" providerId="ADAL" clId="{117BA837-A942-4D11-9607-317B6A3003F4}" dt="2022-11-02T18:18:21.208" v="1486" actId="1076"/>
+        <pc:chgData name="hirose taichi" userId="ed2dc4b0-8795-4813-ada8-f41a239e7d7d" providerId="ADAL" clId="{117BA837-A942-4D11-9607-317B6A3003F4}" dt="2022-11-03T06:18:39.105" v="2112" actId="20577"/>
         <pc:sldMkLst>
           <pc:docMk/>
           <pc:sldMk cId="516682135" sldId="417"/>
@@ -828,7 +836,7 @@
           </ac:spMkLst>
         </pc:spChg>
         <pc:spChg chg="mod">
-          <ac:chgData name="hirose taichi" userId="ed2dc4b0-8795-4813-ada8-f41a239e7d7d" providerId="ADAL" clId="{117BA837-A942-4D11-9607-317B6A3003F4}" dt="2022-11-02T18:17:27.094" v="1472" actId="20577"/>
+          <ac:chgData name="hirose taichi" userId="ed2dc4b0-8795-4813-ada8-f41a239e7d7d" providerId="ADAL" clId="{117BA837-A942-4D11-9607-317B6A3003F4}" dt="2022-11-03T06:18:39.105" v="2112" actId="20577"/>
           <ac:spMkLst>
             <pc:docMk/>
             <pc:sldMk cId="516682135" sldId="417"/>
@@ -939,13 +947,13 @@
         </pc:spChg>
       </pc:sldChg>
       <pc:sldChg chg="modSp new mod">
-        <pc:chgData name="hirose taichi" userId="ed2dc4b0-8795-4813-ada8-f41a239e7d7d" providerId="ADAL" clId="{117BA837-A942-4D11-9607-317B6A3003F4}" dt="2022-11-02T18:52:11.394" v="2066" actId="20577"/>
+        <pc:chgData name="hirose taichi" userId="ed2dc4b0-8795-4813-ada8-f41a239e7d7d" providerId="ADAL" clId="{117BA837-A942-4D11-9607-317B6A3003F4}" dt="2022-11-03T06:20:57.709" v="2208" actId="20577"/>
         <pc:sldMkLst>
           <pc:docMk/>
           <pc:sldMk cId="3385951374" sldId="420"/>
         </pc:sldMkLst>
         <pc:spChg chg="mod">
-          <ac:chgData name="hirose taichi" userId="ed2dc4b0-8795-4813-ada8-f41a239e7d7d" providerId="ADAL" clId="{117BA837-A942-4D11-9607-317B6A3003F4}" dt="2022-11-02T18:52:11.394" v="2066" actId="20577"/>
+          <ac:chgData name="hirose taichi" userId="ed2dc4b0-8795-4813-ada8-f41a239e7d7d" providerId="ADAL" clId="{117BA837-A942-4D11-9607-317B6A3003F4}" dt="2022-11-03T06:20:57.709" v="2208" actId="20577"/>
           <ac:spMkLst>
             <pc:docMk/>
             <pc:sldMk cId="3385951374" sldId="420"/>
@@ -1878,7 +1886,22 @@
           <a:bodyPr/>
           <a:lstStyle/>
           <a:p>
-            <a:endParaRPr kumimoji="1" lang="ja-JP" altLang="en-US" dirty="0"/>
+            <a:r>
+              <a:rPr kumimoji="1" lang="en-US" altLang="ja-JP" dirty="0"/>
+              <a:t>Power shell, CMD</a:t>
+            </a:r>
+            <a:r>
+              <a:rPr kumimoji="1" lang="ja-JP" altLang="en-US" dirty="0"/>
+              <a:t>よりも</a:t>
+            </a:r>
+            <a:r>
+              <a:rPr kumimoji="1" lang="en-US" altLang="ja-JP" dirty="0"/>
+              <a:t>Windows</a:t>
+            </a:r>
+            <a:r>
+              <a:rPr kumimoji="1" lang="ja-JP" altLang="en-US" dirty="0"/>
+              <a:t>ターミナルがおすすめ（スタート，「ターミナル」で検索」</a:t>
+            </a:r>
           </a:p>
         </p:txBody>
       </p:sp>
@@ -1993,6 +2016,90 @@
     <p:extLst>
       <p:ext uri="{BB962C8B-B14F-4D97-AF65-F5344CB8AC3E}">
         <p14:creationId xmlns:p14="http://schemas.microsoft.com/office/powerpoint/2010/main" val="925248"/>
+      </p:ext>
+    </p:extLst>
+  </p:cSld>
+  <p:clrMapOvr>
+    <a:masterClrMapping/>
+  </p:clrMapOvr>
+</p:notes>
+</file>
+
+<file path=ppt/notesSlides/notesSlide9.xml><?xml version="1.0" encoding="utf-8"?>
+<p:notes xmlns:a="http://schemas.openxmlformats.org/drawingml/2006/main" xmlns:r="http://schemas.openxmlformats.org/officeDocument/2006/relationships" xmlns:p="http://schemas.openxmlformats.org/presentationml/2006/main">
+  <p:cSld>
+    <p:spTree>
+      <p:nvGrpSpPr>
+        <p:cNvPr id="1" name=""/>
+        <p:cNvGrpSpPr/>
+        <p:nvPr/>
+      </p:nvGrpSpPr>
+      <p:grpSpPr>
+        <a:xfrm>
+          <a:off x="0" y="0"/>
+          <a:ext cx="0" cy="0"/>
+          <a:chOff x="0" y="0"/>
+          <a:chExt cx="0" cy="0"/>
+        </a:xfrm>
+      </p:grpSpPr>
+      <p:sp>
+        <p:nvSpPr>
+          <p:cNvPr id="2" name="スライド イメージ プレースホルダー 1"/>
+          <p:cNvSpPr>
+            <a:spLocks noGrp="1" noRot="1" noChangeAspect="1"/>
+          </p:cNvSpPr>
+          <p:nvPr>
+            <p:ph type="sldImg"/>
+          </p:nvPr>
+        </p:nvSpPr>
+        <p:spPr/>
+      </p:sp>
+      <p:sp>
+        <p:nvSpPr>
+          <p:cNvPr id="3" name="ノート プレースホルダー 2"/>
+          <p:cNvSpPr>
+            <a:spLocks noGrp="1"/>
+          </p:cNvSpPr>
+          <p:nvPr>
+            <p:ph type="body" idx="1"/>
+          </p:nvPr>
+        </p:nvSpPr>
+        <p:spPr/>
+        <p:txBody>
+          <a:bodyPr/>
+          <a:lstStyle/>
+          <a:p>
+            <a:endParaRPr kumimoji="1" lang="ja-JP" altLang="en-US" dirty="0"/>
+          </a:p>
+        </p:txBody>
+      </p:sp>
+      <p:sp>
+        <p:nvSpPr>
+          <p:cNvPr id="4" name="スライド番号プレースホルダー 3"/>
+          <p:cNvSpPr>
+            <a:spLocks noGrp="1"/>
+          </p:cNvSpPr>
+          <p:nvPr>
+            <p:ph type="sldNum" sz="quarter" idx="5"/>
+          </p:nvPr>
+        </p:nvSpPr>
+        <p:spPr/>
+        <p:txBody>
+          <a:bodyPr/>
+          <a:lstStyle/>
+          <a:p>
+            <a:fld id="{5FB7981C-FA40-F348-8BD1-6FCF5195A4F2}" type="slidenum">
+              <a:rPr kumimoji="1" lang="ja-JP" altLang="en-US" smtClean="0"/>
+              <a:t>12</a:t>
+            </a:fld>
+            <a:endParaRPr kumimoji="1" lang="ja-JP" altLang="en-US"/>
+          </a:p>
+        </p:txBody>
+      </p:sp>
+    </p:spTree>
+    <p:extLst>
+      <p:ext uri="{BB962C8B-B14F-4D97-AF65-F5344CB8AC3E}">
+        <p14:creationId xmlns:p14="http://schemas.microsoft.com/office/powerpoint/2010/main" val="3771309582"/>
       </p:ext>
     </p:extLst>
   </p:cSld>
@@ -6204,7 +6311,7 @@
                   </a:schemeClr>
                 </a:solidFill>
               </a:rPr>
-              <a:t>それぞれの入出力は？？</a:t>
+              <a:t>それぞれの入出力は？？→ 一度紙にまとめるとよい？</a:t>
             </a:r>
             <a:endParaRPr kumimoji="1" lang="en-US" altLang="ja-JP" dirty="0">
               <a:solidFill>
@@ -6222,7 +6329,7 @@
             </a:r>
             <a:r>
               <a:rPr lang="ja-JP" altLang="en-US" dirty="0"/>
-              <a:t>関数（すべての関数を呼び出す関数）を作るとよい</a:t>
+              <a:t>関数（すべての関数を呼び出す関数）を作るとなおよい</a:t>
             </a:r>
             <a:endParaRPr kumimoji="1" lang="ja-JP" altLang="en-US" dirty="0"/>
           </a:p>
@@ -8699,29 +8806,7 @@
                   </a:schemeClr>
                 </a:solidFill>
               </a:rPr>
-              <a:t>鯵，</a:t>
-            </a:r>
-            <a:r>
-              <a:rPr kumimoji="1" lang="ja-JP" altLang="en-US" sz="2400" dirty="0">
-                <a:solidFill>
-                  <a:schemeClr val="tx1">
-                    <a:lumMod val="75000"/>
-                    <a:lumOff val="25000"/>
-                  </a:schemeClr>
-                </a:solidFill>
-              </a:rPr>
-              <a:t>鯛</a:t>
-            </a:r>
-            <a:r>
-              <a:rPr lang="ja-JP" altLang="en-US" sz="2400" dirty="0">
-                <a:solidFill>
-                  <a:schemeClr val="tx1">
-                    <a:lumMod val="75000"/>
-                    <a:lumOff val="25000"/>
-                  </a:schemeClr>
-                </a:solidFill>
-              </a:rPr>
-              <a:t>，大根</a:t>
+              <a:t>鯵，大根，豚肉</a:t>
             </a:r>
             <a:endParaRPr kumimoji="1" lang="en-US" altLang="ja-JP" sz="2400" dirty="0">
               <a:solidFill>
@@ -12770,8 +12855,8 @@
         </p:nvSpPr>
         <p:spPr>
           <a:xfrm>
-            <a:off x="702867" y="2593427"/>
-            <a:ext cx="4601148" cy="3320596"/>
+            <a:off x="702867" y="2593426"/>
+            <a:ext cx="4601148" cy="3504257"/>
           </a:xfrm>
           <a:prstGeom prst="rect">
             <a:avLst/>
@@ -13718,21 +13803,6 @@
               </a:lnSpc>
               <a:buNone/>
             </a:pPr>
-            <a:endParaRPr lang="pt-BR" altLang="ja-JP" b="0" dirty="0">
-              <a:solidFill>
-                <a:srgbClr val="000000"/>
-              </a:solidFill>
-              <a:effectLst/>
-              <a:latin typeface="Consolas" panose="020B0609020204030204" pitchFamily="49" charset="0"/>
-            </a:endParaRPr>
-          </a:p>
-          <a:p>
-            <a:pPr marL="0" indent="180975">
-              <a:lnSpc>
-                <a:spcPct val="100000"/>
-              </a:lnSpc>
-              <a:buNone/>
-            </a:pPr>
             <a:r>
               <a:rPr lang="pt-BR" altLang="ja-JP" b="0" dirty="0">
                 <a:solidFill>
@@ -14610,6 +14680,81 @@
                 </a:solidFill>
               </a:rPr>
               <a:t>sansuu.py</a:t>
+            </a:r>
+            <a:endParaRPr kumimoji="1" lang="ja-JP" altLang="en-US" sz="2400" dirty="0">
+              <a:solidFill>
+                <a:schemeClr val="tx1">
+                  <a:lumMod val="75000"/>
+                  <a:lumOff val="25000"/>
+                </a:schemeClr>
+              </a:solidFill>
+            </a:endParaRPr>
+          </a:p>
+        </p:txBody>
+      </p:sp>
+      <p:sp>
+        <p:nvSpPr>
+          <p:cNvPr id="15" name="正方形/長方形 14">
+            <a:extLst>
+              <a:ext uri="{FF2B5EF4-FFF2-40B4-BE49-F238E27FC236}">
+                <a16:creationId xmlns:a16="http://schemas.microsoft.com/office/drawing/2014/main" id="{FC545633-537E-41B7-8286-1F4709EE6B5F}"/>
+              </a:ext>
+            </a:extLst>
+          </p:cNvPr>
+          <p:cNvSpPr/>
+          <p:nvPr/>
+        </p:nvSpPr>
+        <p:spPr>
+          <a:xfrm>
+            <a:off x="712971" y="2430419"/>
+            <a:ext cx="1903931" cy="403735"/>
+          </a:xfrm>
+          <a:prstGeom prst="rect">
+            <a:avLst/>
+          </a:prstGeom>
+          <a:solidFill>
+            <a:schemeClr val="bg1"/>
+          </a:solidFill>
+          <a:ln w="19050">
+            <a:solidFill>
+              <a:schemeClr val="tx1">
+                <a:lumMod val="75000"/>
+                <a:lumOff val="25000"/>
+              </a:schemeClr>
+            </a:solidFill>
+            <a:headEnd type="none" w="med" len="med"/>
+            <a:tailEnd type="none" w="med" len="med"/>
+          </a:ln>
+        </p:spPr>
+        <p:style>
+          <a:lnRef idx="1">
+            <a:schemeClr val="accent1"/>
+          </a:lnRef>
+          <a:fillRef idx="0">
+            <a:schemeClr val="accent1"/>
+          </a:fillRef>
+          <a:effectRef idx="0">
+            <a:schemeClr val="accent1"/>
+          </a:effectRef>
+          <a:fontRef idx="minor">
+            <a:schemeClr val="tx1"/>
+          </a:fontRef>
+        </p:style>
+        <p:txBody>
+          <a:bodyPr rtlCol="0" anchor="ctr"/>
+          <a:lstStyle/>
+          <a:p>
+            <a:pPr algn="ctr"/>
+            <a:r>
+              <a:rPr kumimoji="1" lang="en-US" altLang="ja-JP" sz="2400" dirty="0">
+                <a:solidFill>
+                  <a:schemeClr val="tx1">
+                    <a:lumMod val="75000"/>
+                    <a:lumOff val="25000"/>
+                  </a:schemeClr>
+                </a:solidFill>
+              </a:rPr>
+              <a:t>sample.py</a:t>
             </a:r>
             <a:endParaRPr kumimoji="1" lang="ja-JP" altLang="en-US" sz="2400" dirty="0">
               <a:solidFill>
